--- a/ProjectDocumention/ComponentsOverview.pptx
+++ b/ProjectDocumention/ComponentsOverview.pptx
@@ -293,7 +293,7 @@
           <a:p>
             <a:fld id="{74E5064E-6A5E-41DB-AA0A-2398F5A21D17}" type="datetimeFigureOut">
               <a:rPr lang="fr-FR" smtClean="0"/>
-              <a:t>23/09/2015</a:t>
+              <a:t>20/01/2016</a:t>
             </a:fld>
             <a:endParaRPr lang="fr-FR"/>
           </a:p>
@@ -463,7 +463,7 @@
           <a:p>
             <a:fld id="{74E5064E-6A5E-41DB-AA0A-2398F5A21D17}" type="datetimeFigureOut">
               <a:rPr lang="fr-FR" smtClean="0"/>
-              <a:t>23/09/2015</a:t>
+              <a:t>20/01/2016</a:t>
             </a:fld>
             <a:endParaRPr lang="fr-FR"/>
           </a:p>
@@ -643,7 +643,7 @@
           <a:p>
             <a:fld id="{74E5064E-6A5E-41DB-AA0A-2398F5A21D17}" type="datetimeFigureOut">
               <a:rPr lang="fr-FR" smtClean="0"/>
-              <a:t>23/09/2015</a:t>
+              <a:t>20/01/2016</a:t>
             </a:fld>
             <a:endParaRPr lang="fr-FR"/>
           </a:p>
@@ -813,7 +813,7 @@
           <a:p>
             <a:fld id="{74E5064E-6A5E-41DB-AA0A-2398F5A21D17}" type="datetimeFigureOut">
               <a:rPr lang="fr-FR" smtClean="0"/>
-              <a:t>23/09/2015</a:t>
+              <a:t>20/01/2016</a:t>
             </a:fld>
             <a:endParaRPr lang="fr-FR"/>
           </a:p>
@@ -1059,7 +1059,7 @@
           <a:p>
             <a:fld id="{74E5064E-6A5E-41DB-AA0A-2398F5A21D17}" type="datetimeFigureOut">
               <a:rPr lang="fr-FR" smtClean="0"/>
-              <a:t>23/09/2015</a:t>
+              <a:t>20/01/2016</a:t>
             </a:fld>
             <a:endParaRPr lang="fr-FR"/>
           </a:p>
@@ -1347,7 +1347,7 @@
           <a:p>
             <a:fld id="{74E5064E-6A5E-41DB-AA0A-2398F5A21D17}" type="datetimeFigureOut">
               <a:rPr lang="fr-FR" smtClean="0"/>
-              <a:t>23/09/2015</a:t>
+              <a:t>20/01/2016</a:t>
             </a:fld>
             <a:endParaRPr lang="fr-FR"/>
           </a:p>
@@ -1769,7 +1769,7 @@
           <a:p>
             <a:fld id="{74E5064E-6A5E-41DB-AA0A-2398F5A21D17}" type="datetimeFigureOut">
               <a:rPr lang="fr-FR" smtClean="0"/>
-              <a:t>23/09/2015</a:t>
+              <a:t>20/01/2016</a:t>
             </a:fld>
             <a:endParaRPr lang="fr-FR"/>
           </a:p>
@@ -1887,7 +1887,7 @@
           <a:p>
             <a:fld id="{74E5064E-6A5E-41DB-AA0A-2398F5A21D17}" type="datetimeFigureOut">
               <a:rPr lang="fr-FR" smtClean="0"/>
-              <a:t>23/09/2015</a:t>
+              <a:t>20/01/2016</a:t>
             </a:fld>
             <a:endParaRPr lang="fr-FR"/>
           </a:p>
@@ -1982,7 +1982,7 @@
           <a:p>
             <a:fld id="{74E5064E-6A5E-41DB-AA0A-2398F5A21D17}" type="datetimeFigureOut">
               <a:rPr lang="fr-FR" smtClean="0"/>
-              <a:t>23/09/2015</a:t>
+              <a:t>20/01/2016</a:t>
             </a:fld>
             <a:endParaRPr lang="fr-FR"/>
           </a:p>
@@ -2259,7 +2259,7 @@
           <a:p>
             <a:fld id="{74E5064E-6A5E-41DB-AA0A-2398F5A21D17}" type="datetimeFigureOut">
               <a:rPr lang="fr-FR" smtClean="0"/>
-              <a:t>23/09/2015</a:t>
+              <a:t>20/01/2016</a:t>
             </a:fld>
             <a:endParaRPr lang="fr-FR"/>
           </a:p>
@@ -2512,7 +2512,7 @@
           <a:p>
             <a:fld id="{74E5064E-6A5E-41DB-AA0A-2398F5A21D17}" type="datetimeFigureOut">
               <a:rPr lang="fr-FR" smtClean="0"/>
-              <a:t>23/09/2015</a:t>
+              <a:t>20/01/2016</a:t>
             </a:fld>
             <a:endParaRPr lang="fr-FR"/>
           </a:p>
@@ -2725,7 +2725,7 @@
           <a:p>
             <a:fld id="{74E5064E-6A5E-41DB-AA0A-2398F5A21D17}" type="datetimeFigureOut">
               <a:rPr lang="fr-FR" smtClean="0"/>
-              <a:t>23/09/2015</a:t>
+              <a:t>20/01/2016</a:t>
             </a:fld>
             <a:endParaRPr lang="fr-FR"/>
           </a:p>
@@ -4133,7 +4133,15 @@
                   <a:schemeClr val="tx1"/>
                 </a:solidFill>
               </a:rPr>
-              <a:t>Webcam Pour déplacement « manuel » </a:t>
+              <a:t>Mobile Webcam </a:t>
+            </a:r>
+            <a:r>
+              <a:rPr lang="fr-FR" sz="1100" dirty="0" smtClean="0">
+                <a:solidFill>
+                  <a:schemeClr val="tx1"/>
+                </a:solidFill>
+              </a:rPr>
+              <a:t>Pour déplacement « manuel » </a:t>
             </a:r>
             <a:endParaRPr lang="fr-FR" sz="1100" dirty="0">
               <a:solidFill>
@@ -4830,12 +4838,8 @@
           <a:lstStyle/>
           <a:p>
             <a:r>
-              <a:rPr lang="fr-FR" dirty="0" err="1" smtClean="0"/>
-              <a:t>Raspberry</a:t>
-            </a:r>
-            <a:r>
               <a:rPr lang="fr-FR" dirty="0" smtClean="0"/>
-              <a:t> pi</a:t>
+              <a:t>ESP8266</a:t>
             </a:r>
             <a:endParaRPr lang="fr-FR" sz="1400" dirty="0"/>
           </a:p>
@@ -6275,12 +6279,12 @@
               <a:t>1 </a:t>
             </a:r>
             <a:r>
-              <a:rPr lang="fr-FR" dirty="0" err="1" smtClean="0"/>
-              <a:t>rasberry</a:t>
-            </a:r>
-            <a:r>
               <a:rPr lang="fr-FR" dirty="0" smtClean="0"/>
-              <a:t> -&gt; 1 IO serial</a:t>
+              <a:t>esp8266 </a:t>
+            </a:r>
+            <a:r>
+              <a:rPr lang="fr-FR" dirty="0" smtClean="0"/>
+              <a:t>-&gt; 1 IO serial</a:t>
             </a:r>
           </a:p>
           <a:p>
